--- a/presentation/gwloggeR.pptx
+++ b/presentation/gwloggeR.pptx
@@ -8294,7 +8294,7 @@
           <a:p>
             <a:fld id="{70D3FD57-3918-4789-8259-B6861B793F5F}" type="datetimeFigureOut">
               <a:rPr lang="en-US" smtClean="0"/>
-              <a:t>2/3/2020</a:t>
+              <a:t>2020-02-04</a:t>
             </a:fld>
             <a:endParaRPr lang="en-US"/>
           </a:p>
@@ -10147,7 +10147,7 @@
           <a:p>
             <a:fld id="{1F62A362-03E1-4775-BA67-CBC001C763DD}" type="datetimeFigureOut">
               <a:rPr lang="nl-BE" smtClean="0"/>
-              <a:t>3/02/2020</a:t>
+              <a:t>4/02/2020</a:t>
             </a:fld>
             <a:endParaRPr lang="nl-BE"/>
           </a:p>
@@ -10347,7 +10347,7 @@
           <a:p>
             <a:fld id="{1F62A362-03E1-4775-BA67-CBC001C763DD}" type="datetimeFigureOut">
               <a:rPr lang="nl-BE" smtClean="0"/>
-              <a:t>3/02/2020</a:t>
+              <a:t>4/02/2020</a:t>
             </a:fld>
             <a:endParaRPr lang="nl-BE"/>
           </a:p>
@@ -10557,7 +10557,7 @@
           <a:p>
             <a:fld id="{1F62A362-03E1-4775-BA67-CBC001C763DD}" type="datetimeFigureOut">
               <a:rPr lang="nl-BE" smtClean="0"/>
-              <a:t>3/02/2020</a:t>
+              <a:t>4/02/2020</a:t>
             </a:fld>
             <a:endParaRPr lang="nl-BE"/>
           </a:p>
@@ -10757,7 +10757,7 @@
           <a:p>
             <a:fld id="{1F62A362-03E1-4775-BA67-CBC001C763DD}" type="datetimeFigureOut">
               <a:rPr lang="nl-BE" smtClean="0"/>
-              <a:t>3/02/2020</a:t>
+              <a:t>4/02/2020</a:t>
             </a:fld>
             <a:endParaRPr lang="nl-BE"/>
           </a:p>
@@ -11033,7 +11033,7 @@
           <a:p>
             <a:fld id="{1F62A362-03E1-4775-BA67-CBC001C763DD}" type="datetimeFigureOut">
               <a:rPr lang="nl-BE" smtClean="0"/>
-              <a:t>3/02/2020</a:t>
+              <a:t>4/02/2020</a:t>
             </a:fld>
             <a:endParaRPr lang="nl-BE"/>
           </a:p>
@@ -11301,7 +11301,7 @@
           <a:p>
             <a:fld id="{1F62A362-03E1-4775-BA67-CBC001C763DD}" type="datetimeFigureOut">
               <a:rPr lang="nl-BE" smtClean="0"/>
-              <a:t>3/02/2020</a:t>
+              <a:t>4/02/2020</a:t>
             </a:fld>
             <a:endParaRPr lang="nl-BE"/>
           </a:p>
@@ -11716,7 +11716,7 @@
           <a:p>
             <a:fld id="{1F62A362-03E1-4775-BA67-CBC001C763DD}" type="datetimeFigureOut">
               <a:rPr lang="nl-BE" smtClean="0"/>
-              <a:t>3/02/2020</a:t>
+              <a:t>4/02/2020</a:t>
             </a:fld>
             <a:endParaRPr lang="nl-BE"/>
           </a:p>
@@ -11858,7 +11858,7 @@
           <a:p>
             <a:fld id="{1F62A362-03E1-4775-BA67-CBC001C763DD}" type="datetimeFigureOut">
               <a:rPr lang="nl-BE" smtClean="0"/>
-              <a:t>3/02/2020</a:t>
+              <a:t>4/02/2020</a:t>
             </a:fld>
             <a:endParaRPr lang="nl-BE"/>
           </a:p>
@@ -11971,7 +11971,7 @@
           <a:p>
             <a:fld id="{1F62A362-03E1-4775-BA67-CBC001C763DD}" type="datetimeFigureOut">
               <a:rPr lang="nl-BE" smtClean="0"/>
-              <a:t>3/02/2020</a:t>
+              <a:t>4/02/2020</a:t>
             </a:fld>
             <a:endParaRPr lang="nl-BE"/>
           </a:p>
@@ -12284,7 +12284,7 @@
           <a:p>
             <a:fld id="{1F62A362-03E1-4775-BA67-CBC001C763DD}" type="datetimeFigureOut">
               <a:rPr lang="nl-BE" smtClean="0"/>
-              <a:t>3/02/2020</a:t>
+              <a:t>4/02/2020</a:t>
             </a:fld>
             <a:endParaRPr lang="nl-BE"/>
           </a:p>
@@ -12573,7 +12573,7 @@
           <a:p>
             <a:fld id="{1F62A362-03E1-4775-BA67-CBC001C763DD}" type="datetimeFigureOut">
               <a:rPr lang="nl-BE" smtClean="0"/>
-              <a:t>3/02/2020</a:t>
+              <a:t>4/02/2020</a:t>
             </a:fld>
             <a:endParaRPr lang="nl-BE"/>
           </a:p>
@@ -12816,7 +12816,7 @@
           <a:p>
             <a:fld id="{1F62A362-03E1-4775-BA67-CBC001C763DD}" type="datetimeFigureOut">
               <a:rPr lang="nl-BE" smtClean="0"/>
-              <a:t>3/02/2020</a:t>
+              <a:t>4/02/2020</a:t>
             </a:fld>
             <a:endParaRPr lang="nl-BE"/>
           </a:p>
@@ -13426,7 +13426,22 @@
               <a:p>
                 <a:r>
                   <a:rPr lang="en-US" dirty="0"/>
-                  <a:t>Option to supply elevation of the air pressure logger.</a:t>
+                  <a:t>Option to </a:t>
+                </a:r>
+                <a:r>
+                  <a:rPr lang="en-US"/>
+                  <a:t>supply altitude </a:t>
+                </a:r>
+                <a:r>
+                  <a:rPr lang="en-US" dirty="0"/>
+                  <a:t>of the air pressure logger.</a:t>
+                </a:r>
+              </a:p>
+              <a:p>
+                <a:pPr lvl="1"/>
+                <a:r>
+                  <a:rPr lang="en-US" dirty="0"/>
+                  <a:t>The pressure drops approximately by 11.3 Pa per meter in first 1000 meters above sea level.</a:t>
                 </a:r>
               </a:p>
             </p:txBody>
@@ -18292,8 +18307,8 @@
           </a:p>
         </p:txBody>
       </p:sp>
-      <mc:AlternateContent xmlns:mc="http://schemas.openxmlformats.org/markup-compatibility/2006">
-        <mc:Choice xmlns:a14="http://schemas.microsoft.com/office/drawing/2010/main" Requires="a14">
+      <mc:AlternateContent xmlns:mc="http://schemas.openxmlformats.org/markup-compatibility/2006" xmlns:a14="http://schemas.microsoft.com/office/drawing/2010/main">
+        <mc:Choice Requires="a14">
           <p:sp>
             <p:nvSpPr>
               <p:cNvPr id="3" name="Content Placeholder 2">
@@ -18366,15 +18381,7 @@
                 </a14:m>
                 <a:r>
                   <a:rPr lang="en-US" dirty="0"/>
-                  <a:t> </a:t>
-                </a:r>
-                <a:r>
-                  <a:rPr lang="en-US" dirty="0" err="1"/>
-                  <a:t>treshold</a:t>
-                </a:r>
-                <a:r>
-                  <a:rPr lang="en-US" dirty="0"/>
-                  <a:t> estimation than current +20 % of min/max value.</a:t>
+                  <a:t> threshold estimation than current +20 % of min/max value.</a:t>
                 </a:r>
               </a:p>
               <a:p>
@@ -18483,7 +18490,7 @@
             </p:txBody>
           </p:sp>
         </mc:Choice>
-        <mc:Fallback>
+        <mc:Fallback xmlns="">
           <p:sp>
             <p:nvSpPr>
               <p:cNvPr id="3" name="Content Placeholder 2">
